--- a/Presentation1.pptx
+++ b/Presentation1.pptx
@@ -5,7 +5,7 @@
     <p:sldMasterId id="2147483648" r:id="rId1"/>
   </p:sldMasterIdLst>
   <p:notesMasterIdLst>
-    <p:notesMasterId r:id="rId13"/>
+    <p:notesMasterId r:id="rId14"/>
   </p:notesMasterIdLst>
   <p:sldIdLst>
     <p:sldId id="256" r:id="rId2"/>
@@ -17,8 +17,9 @@
     <p:sldId id="265" r:id="rId8"/>
     <p:sldId id="259" r:id="rId9"/>
     <p:sldId id="261" r:id="rId10"/>
-    <p:sldId id="267" r:id="rId11"/>
-    <p:sldId id="270" r:id="rId12"/>
+    <p:sldId id="269" r:id="rId11"/>
+    <p:sldId id="267" r:id="rId12"/>
+    <p:sldId id="270" r:id="rId13"/>
   </p:sldIdLst>
   <p:sldSz cx="9144000" cy="6858000" type="screen4x3"/>
   <p:notesSz cx="6858000" cy="9144000"/>
@@ -202,7 +203,6 @@
           <a:p>
             <a:fld id="{BF2B6460-DCA2-4EA6-8FE2-828104BF016A}" type="datetimeFigureOut">
               <a:rPr lang="en-US" smtClean="0"/>
-              <a:pPr/>
               <a:t>6/25/2017</a:t>
             </a:fld>
             <a:endParaRPr lang="en-US"/>
@@ -364,7 +364,6 @@
           <a:p>
             <a:fld id="{EBC01299-7580-4D45-A8E6-2012B2AB3C5F}" type="slidenum">
               <a:rPr lang="en-US" smtClean="0"/>
-              <a:pPr/>
               <a:t>‹#›</a:t>
             </a:fld>
             <a:endParaRPr lang="en-US"/>
@@ -536,7 +535,6 @@
           <a:p>
             <a:fld id="{EBC01299-7580-4D45-A8E6-2012B2AB3C5F}" type="slidenum">
               <a:rPr lang="en-US" smtClean="0"/>
-              <a:pPr/>
               <a:t>6</a:t>
             </a:fld>
             <a:endParaRPr lang="en-US"/>
@@ -3609,6 +3607,199 @@
             <p:ph type="title"/>
           </p:nvPr>
         </p:nvSpPr>
+        <p:spPr/>
+        <p:txBody>
+          <a:bodyPr>
+            <a:normAutofit/>
+          </a:bodyPr>
+          <a:lstStyle/>
+          <a:p>
+            <a:r>
+              <a:rPr lang="en-US" dirty="0" smtClean="0"/>
+              <a:t>Achievements and progress</a:t>
+            </a:r>
+            <a:endParaRPr lang="en-US" dirty="0"/>
+          </a:p>
+        </p:txBody>
+      </p:sp>
+      <p:sp>
+        <p:nvSpPr>
+          <p:cNvPr id="3" name="Content Placeholder 2"/>
+          <p:cNvSpPr>
+            <a:spLocks noGrp="1"/>
+          </p:cNvSpPr>
+          <p:nvPr>
+            <p:ph idx="1"/>
+          </p:nvPr>
+        </p:nvSpPr>
+        <p:spPr/>
+        <p:txBody>
+          <a:bodyPr/>
+          <a:lstStyle/>
+          <a:p>
+            <a:r>
+              <a:rPr lang="en-US" dirty="0" smtClean="0"/>
+              <a:t>Our detailed analysis shows a whooping x% of the fake news articles have unrelated images. Our application now helps provide a way to reduce further analysis of fake news x times by eliminating the .</a:t>
+            </a:r>
+          </a:p>
+          <a:p>
+            <a:endParaRPr lang="en-US" dirty="0"/>
+          </a:p>
+        </p:txBody>
+      </p:sp>
+      <p:grpSp>
+        <p:nvGrpSpPr>
+          <p:cNvPr id="4" name="Group 3"/>
+          <p:cNvGrpSpPr/>
+          <p:nvPr/>
+        </p:nvGrpSpPr>
+        <p:grpSpPr>
+          <a:xfrm>
+            <a:off x="1" y="0"/>
+            <a:ext cx="2514599" cy="609599"/>
+            <a:chOff x="730785" y="479233"/>
+            <a:chExt cx="3315789" cy="840821"/>
+          </a:xfrm>
+        </p:grpSpPr>
+        <p:pic>
+          <p:nvPicPr>
+            <p:cNvPr id="5" name="Picture 6" descr="C:\Users\Roshan Sridhar\Pictures\kaggle-logo-gray-300.png"/>
+            <p:cNvPicPr>
+              <a:picLocks noChangeAspect="1" noChangeArrowheads="1"/>
+            </p:cNvPicPr>
+            <p:nvPr/>
+          </p:nvPicPr>
+          <p:blipFill>
+            <a:blip r:embed="rId2"/>
+            <a:srcRect/>
+            <a:stretch>
+              <a:fillRect/>
+            </a:stretch>
+          </p:blipFill>
+          <p:spPr bwMode="auto">
+            <a:xfrm>
+              <a:off x="730785" y="479233"/>
+              <a:ext cx="1849806" cy="840821"/>
+            </a:xfrm>
+            <a:prstGeom prst="rect">
+              <a:avLst/>
+            </a:prstGeom>
+            <a:noFill/>
+          </p:spPr>
+        </p:pic>
+        <p:pic>
+          <p:nvPicPr>
+            <p:cNvPr id="6" name="Picture 5"/>
+            <p:cNvPicPr>
+              <a:picLocks noChangeAspect="1"/>
+            </p:cNvPicPr>
+            <p:nvPr/>
+          </p:nvPicPr>
+          <p:blipFill>
+            <a:blip r:embed="rId3" cstate="email">
+              <a:extLst>
+                <a:ext uri="{28A0092B-C50C-407E-A947-70E740481C1C}">
+                  <a14:useLocalDpi xmlns:a14="http://schemas.microsoft.com/office/drawing/2010/main" xmlns=""/>
+                </a:ext>
+              </a:extLst>
+            </a:blip>
+            <a:stretch>
+              <a:fillRect/>
+            </a:stretch>
+          </p:blipFill>
+          <p:spPr>
+            <a:xfrm>
+              <a:off x="3352800" y="533400"/>
+              <a:ext cx="693774" cy="685800"/>
+            </a:xfrm>
+            <a:prstGeom prst="rect">
+              <a:avLst/>
+            </a:prstGeom>
+          </p:spPr>
+        </p:pic>
+        <p:sp>
+          <p:nvSpPr>
+            <p:cNvPr id="7" name="Right Arrow 6"/>
+            <p:cNvSpPr/>
+            <p:nvPr/>
+          </p:nvSpPr>
+          <p:spPr>
+            <a:xfrm>
+              <a:off x="2743200" y="762000"/>
+              <a:ext cx="457200" cy="228600"/>
+            </a:xfrm>
+            <a:prstGeom prst="rightArrow">
+              <a:avLst/>
+            </a:prstGeom>
+          </p:spPr>
+          <p:style>
+            <a:lnRef idx="2">
+              <a:schemeClr val="accent1">
+                <a:shade val="50000"/>
+              </a:schemeClr>
+            </a:lnRef>
+            <a:fillRef idx="1">
+              <a:schemeClr val="accent1"/>
+            </a:fillRef>
+            <a:effectRef idx="0">
+              <a:schemeClr val="accent1"/>
+            </a:effectRef>
+            <a:fontRef idx="minor">
+              <a:schemeClr val="lt1"/>
+            </a:fontRef>
+          </p:style>
+          <p:txBody>
+            <a:bodyPr rtlCol="0" anchor="ctr"/>
+            <a:lstStyle/>
+            <a:p>
+              <a:pPr algn="ctr"/>
+              <a:endParaRPr lang="en-US"/>
+            </a:p>
+          </p:txBody>
+        </p:sp>
+      </p:grpSp>
+    </p:spTree>
+  </p:cSld>
+  <p:clrMapOvr>
+    <a:masterClrMapping/>
+  </p:clrMapOvr>
+  <p:timing>
+    <p:tnLst>
+      <p:par>
+        <p:cTn id="1" dur="indefinite" restart="never" nodeType="tmRoot"/>
+      </p:par>
+    </p:tnLst>
+  </p:timing>
+</p:sld>
+</file>
+
+<file path=ppt/slides/slide11.xml><?xml version="1.0" encoding="utf-8"?>
+<p:sld xmlns:a="http://schemas.openxmlformats.org/drawingml/2006/main" xmlns:r="http://schemas.openxmlformats.org/officeDocument/2006/relationships" xmlns:p="http://schemas.openxmlformats.org/presentationml/2006/main">
+  <p:cSld>
+    <p:spTree>
+      <p:nvGrpSpPr>
+        <p:cNvPr id="1" name=""/>
+        <p:cNvGrpSpPr/>
+        <p:nvPr/>
+      </p:nvGrpSpPr>
+      <p:grpSpPr>
+        <a:xfrm>
+          <a:off x="0" y="0"/>
+          <a:ext cx="0" cy="0"/>
+          <a:chOff x="0" y="0"/>
+          <a:chExt cx="0" cy="0"/>
+        </a:xfrm>
+      </p:grpSpPr>
+      <p:sp>
+        <p:nvSpPr>
+          <p:cNvPr id="2" name="Title 1"/>
+          <p:cNvSpPr>
+            <a:spLocks noGrp="1"/>
+          </p:cNvSpPr>
+          <p:nvPr>
+            <p:ph type="title"/>
+          </p:nvPr>
+        </p:nvSpPr>
         <p:spPr>
           <a:xfrm>
             <a:off x="457200" y="0"/>
@@ -3731,7 +3922,7 @@
 </p:sld>
 </file>
 
-<file path=ppt/slides/slide11.xml><?xml version="1.0" encoding="utf-8"?>
+<file path=ppt/slides/slide12.xml><?xml version="1.0" encoding="utf-8"?>
 <p:sld xmlns:a="http://schemas.openxmlformats.org/drawingml/2006/main" xmlns:r="http://schemas.openxmlformats.org/officeDocument/2006/relationships" xmlns:p="http://schemas.openxmlformats.org/presentationml/2006/main">
   <p:cSld>
     <p:spTree>
@@ -4804,7 +4995,7 @@
           <a:blip r:embed="rId3" cstate="email">
             <a:extLst>
               <a:ext uri="{28A0092B-C50C-407E-A947-70E740481C1C}">
-                <a14:useLocalDpi xmlns="" xmlns:a14="http://schemas.microsoft.com/office/drawing/2010/main"/>
+                <a14:useLocalDpi xmlns:a14="http://schemas.microsoft.com/office/drawing/2010/main" xmlns=""/>
               </a:ext>
             </a:extLst>
           </a:blip>
@@ -5164,7 +5355,7 @@
             <a:blip r:embed="rId3" cstate="email">
               <a:extLst>
                 <a:ext uri="{28A0092B-C50C-407E-A947-70E740481C1C}">
-                  <a14:useLocalDpi xmlns="" xmlns:a14="http://schemas.microsoft.com/office/drawing/2010/main"/>
+                  <a14:useLocalDpi xmlns:a14="http://schemas.microsoft.com/office/drawing/2010/main" xmlns=""/>
                 </a:ext>
               </a:extLst>
             </a:blip>
